--- a/포텐업-알고리즘프로젝트.pptx
+++ b/포텐업-알고리즘프로젝트.pptx
@@ -9,6 +9,12 @@
     <p:sldId id="257" r:id="rId3"/>
     <p:sldId id="258" r:id="rId4"/>
     <p:sldId id="259" r:id="rId5"/>
+    <p:sldId id="260" r:id="rId6"/>
+    <p:sldId id="261" r:id="rId7"/>
+    <p:sldId id="262" r:id="rId8"/>
+    <p:sldId id="263" r:id="rId9"/>
+    <p:sldId id="265" r:id="rId10"/>
+    <p:sldId id="264" r:id="rId11"/>
   </p:sldIdLst>
   <p:sldSz cx="12192000" cy="6858000"/>
   <p:notesSz cx="6858000" cy="9144000"/>
@@ -107,6 +113,11 @@
       </a:defRPr>
     </a:lvl9pPr>
   </p:defaultTextStyle>
+  <p:extLst>
+    <p:ext uri="{EFAFB233-063F-42B5-8137-9DF3F51BA10A}">
+      <p15:sldGuideLst xmlns:p15="http://schemas.microsoft.com/office/powerpoint/2012/main"/>
+    </p:ext>
+  </p:extLst>
 </p:presentation>
 </file>
 
@@ -3974,6 +3985,198 @@
 </p:sld>
 </file>
 
+<file path=ppt/slides/slide10.xml><?xml version="1.0" encoding="utf-8"?>
+<p:sld xmlns:a="http://schemas.openxmlformats.org/drawingml/2006/main" xmlns:r="http://schemas.openxmlformats.org/officeDocument/2006/relationships" xmlns:p="http://schemas.openxmlformats.org/presentationml/2006/main">
+  <p:cSld>
+    <p:spTree>
+      <p:nvGrpSpPr>
+        <p:cNvPr id="1" name=""/>
+        <p:cNvGrpSpPr/>
+        <p:nvPr/>
+      </p:nvGrpSpPr>
+      <p:grpSpPr>
+        <a:xfrm>
+          <a:off x="0" y="0"/>
+          <a:ext cx="0" cy="0"/>
+          <a:chOff x="0" y="0"/>
+          <a:chExt cx="0" cy="0"/>
+        </a:xfrm>
+      </p:grpSpPr>
+      <p:sp>
+        <p:nvSpPr>
+          <p:cNvPr id="2" name="제목 1">
+            <a:extLst>
+              <a:ext uri="{FF2B5EF4-FFF2-40B4-BE49-F238E27FC236}">
+                <a16:creationId xmlns:a16="http://schemas.microsoft.com/office/drawing/2014/main" id="{47E15D84-A998-DA91-FAB8-5EC1E90FD406}"/>
+              </a:ext>
+            </a:extLst>
+          </p:cNvPr>
+          <p:cNvSpPr>
+            <a:spLocks noGrp="1"/>
+          </p:cNvSpPr>
+          <p:nvPr>
+            <p:ph type="title"/>
+          </p:nvPr>
+        </p:nvSpPr>
+        <p:spPr/>
+        <p:txBody>
+          <a:bodyPr/>
+          <a:lstStyle/>
+          <a:p>
+            <a:r>
+              <a:rPr lang="ko-KR" altLang="en-US" dirty="0"/>
+              <a:t>어려웠던 부분</a:t>
+            </a:r>
+            <a:r>
+              <a:rPr lang="en-US" altLang="ko-KR" dirty="0"/>
+              <a:t>.</a:t>
+            </a:r>
+            <a:endParaRPr lang="ko-KR" altLang="en-US" dirty="0"/>
+          </a:p>
+        </p:txBody>
+      </p:sp>
+      <p:sp>
+        <p:nvSpPr>
+          <p:cNvPr id="3" name="내용 개체 틀 2">
+            <a:extLst>
+              <a:ext uri="{FF2B5EF4-FFF2-40B4-BE49-F238E27FC236}">
+                <a16:creationId xmlns:a16="http://schemas.microsoft.com/office/drawing/2014/main" id="{881732E3-7475-9452-02EC-B62CB7F647F8}"/>
+              </a:ext>
+            </a:extLst>
+          </p:cNvPr>
+          <p:cNvSpPr>
+            <a:spLocks noGrp="1"/>
+          </p:cNvSpPr>
+          <p:nvPr>
+            <p:ph idx="1"/>
+          </p:nvPr>
+        </p:nvSpPr>
+        <p:spPr>
+          <a:xfrm>
+            <a:off x="515112" y="1930908"/>
+            <a:ext cx="11155680" cy="3767328"/>
+          </a:xfrm>
+        </p:spPr>
+        <p:txBody>
+          <a:bodyPr/>
+          <a:lstStyle/>
+          <a:p>
+            <a:r>
+              <a:rPr lang="ko-KR" altLang="en-US" dirty="0"/>
+              <a:t>다음에서 보다시피 원래는 노드를 직접 받아서 시작 노드</a:t>
+            </a:r>
+            <a:r>
+              <a:rPr lang="en-US" altLang="ko-KR" dirty="0"/>
+              <a:t>, </a:t>
+            </a:r>
+            <a:r>
+              <a:rPr lang="ko-KR" altLang="en-US" dirty="0"/>
+              <a:t>목표 노드를 </a:t>
+            </a:r>
+            <a:r>
+              <a:rPr lang="ko-KR" altLang="en-US" dirty="0" err="1"/>
+              <a:t>설정했었음</a:t>
+            </a:r>
+            <a:r>
+              <a:rPr lang="en-US" altLang="ko-KR" dirty="0"/>
+              <a:t>. </a:t>
+            </a:r>
+            <a:r>
+              <a:rPr lang="ko-KR" altLang="en-US" dirty="0"/>
+              <a:t>그러자</a:t>
+            </a:r>
+            <a:r>
+              <a:rPr lang="en-US" altLang="ko-KR" dirty="0"/>
+              <a:t> </a:t>
+            </a:r>
+            <a:r>
+              <a:rPr lang="ko-KR" altLang="en-US" dirty="0"/>
+              <a:t>대규모의 메모리 누수 발생</a:t>
+            </a:r>
+            <a:r>
+              <a:rPr lang="en-US" altLang="ko-KR" dirty="0"/>
+              <a:t>. </a:t>
+            </a:r>
+            <a:r>
+              <a:rPr lang="ko-KR" altLang="en-US" dirty="0"/>
+              <a:t>그렇기에 </a:t>
+            </a:r>
+            <a:r>
+              <a:rPr lang="en-US" altLang="ko-KR" dirty="0"/>
+              <a:t>Vector2</a:t>
+            </a:r>
+            <a:r>
+              <a:rPr lang="ko-KR" altLang="en-US" dirty="0"/>
+              <a:t>로 받아서 내부적으로 노드를 </a:t>
+            </a:r>
+            <a:r>
+              <a:rPr lang="ko-KR" altLang="en-US" dirty="0" err="1"/>
+              <a:t>생성후</a:t>
+            </a:r>
+            <a:r>
+              <a:rPr lang="ko-KR" altLang="en-US" dirty="0"/>
+              <a:t> 해제하는 방식으로 변경하자 메모리 누수를 잡을 수 있었음</a:t>
+            </a:r>
+            <a:r>
+              <a:rPr lang="en-US" altLang="ko-KR" dirty="0"/>
+              <a:t>.</a:t>
+            </a:r>
+            <a:br>
+              <a:rPr lang="en-US" altLang="ko-KR" dirty="0"/>
+            </a:br>
+            <a:endParaRPr lang="en-US" altLang="ko-KR" dirty="0"/>
+          </a:p>
+        </p:txBody>
+      </p:sp>
+      <p:pic>
+        <p:nvPicPr>
+          <p:cNvPr id="5" name="그림 4" descr="텍스트, 스크린샷이(가) 표시된 사진&#10;&#10;AI 생성 콘텐츠는 정확하지 않을 수 있습니다.">
+            <a:extLst>
+              <a:ext uri="{FF2B5EF4-FFF2-40B4-BE49-F238E27FC236}">
+                <a16:creationId xmlns:a16="http://schemas.microsoft.com/office/drawing/2014/main" id="{610CCD30-A07C-2863-56F4-AF60BF18F829}"/>
+              </a:ext>
+            </a:extLst>
+          </p:cNvPr>
+          <p:cNvPicPr>
+            <a:picLocks noChangeAspect="1"/>
+          </p:cNvPicPr>
+          <p:nvPr/>
+        </p:nvPicPr>
+        <p:blipFill>
+          <a:blip r:embed="rId2">
+            <a:extLst>
+              <a:ext uri="{28A0092B-C50C-407E-A947-70E740481C1C}">
+                <a14:useLocalDpi xmlns:a14="http://schemas.microsoft.com/office/drawing/2010/main" val="0"/>
+              </a:ext>
+            </a:extLst>
+          </a:blip>
+          <a:stretch>
+            <a:fillRect/>
+          </a:stretch>
+        </p:blipFill>
+        <p:spPr>
+          <a:xfrm>
+            <a:off x="5838825" y="3340596"/>
+            <a:ext cx="6077418" cy="3427180"/>
+          </a:xfrm>
+          <a:prstGeom prst="rect">
+            <a:avLst/>
+          </a:prstGeom>
+        </p:spPr>
+      </p:pic>
+    </p:spTree>
+    <p:extLst>
+      <p:ext uri="{BB962C8B-B14F-4D97-AF65-F5344CB8AC3E}">
+        <p14:creationId xmlns:p14="http://schemas.microsoft.com/office/powerpoint/2010/main" val="1422543582"/>
+      </p:ext>
+    </p:extLst>
+  </p:cSld>
+  <p:clrMapOvr>
+    <a:masterClrMapping/>
+  </p:clrMapOvr>
+</p:sld>
+</file>
+
 <file path=ppt/slides/slide2.xml><?xml version="1.0" encoding="utf-8"?>
 <p:sld xmlns:a="http://schemas.openxmlformats.org/drawingml/2006/main" xmlns:r="http://schemas.openxmlformats.org/officeDocument/2006/relationships" xmlns:p="http://schemas.openxmlformats.org/presentationml/2006/main">
   <p:cSld>
@@ -4383,32 +4586,79 @@
           <a:bodyPr/>
           <a:lstStyle/>
           <a:p>
+            <a:r>
+              <a:rPr lang="ko-KR" altLang="en-US" dirty="0"/>
+              <a:t>내부 코드 설명</a:t>
+            </a:r>
+          </a:p>
+        </p:txBody>
+      </p:sp>
+      <p:sp>
+        <p:nvSpPr>
+          <p:cNvPr id="3" name="내용 개체 틀 2">
+            <a:extLst>
+              <a:ext uri="{FF2B5EF4-FFF2-40B4-BE49-F238E27FC236}">
+                <a16:creationId xmlns:a16="http://schemas.microsoft.com/office/drawing/2014/main" id="{BD227D7C-0E5F-D2EF-F39F-D30374117D41}"/>
+              </a:ext>
+            </a:extLst>
+          </p:cNvPr>
+          <p:cNvSpPr>
+            <a:spLocks noGrp="1"/>
+          </p:cNvSpPr>
+          <p:nvPr>
+            <p:ph idx="1"/>
+          </p:nvPr>
+        </p:nvSpPr>
+        <p:spPr/>
+        <p:txBody>
+          <a:bodyPr/>
+          <a:lstStyle/>
+          <a:p>
+            <a:r>
+              <a:rPr lang="ko-KR" altLang="en-US" dirty="0"/>
+              <a:t>수업시간에 배운 </a:t>
+            </a:r>
+            <a:r>
+              <a:rPr lang="en-US" altLang="ko-KR" dirty="0"/>
+              <a:t>A* </a:t>
+            </a:r>
+            <a:r>
+              <a:rPr lang="ko-KR" altLang="en-US" dirty="0"/>
+              <a:t>알고리즘과 게임루프 엔진을 융합</a:t>
+            </a:r>
+            <a:r>
+              <a:rPr lang="en-US" altLang="ko-KR" dirty="0"/>
+              <a:t>.</a:t>
+            </a:r>
+          </a:p>
+          <a:p>
+            <a:r>
+              <a:rPr lang="ko-KR" altLang="en-US" dirty="0"/>
+              <a:t>기존 </a:t>
+            </a:r>
+            <a:r>
+              <a:rPr lang="en-US" altLang="ko-KR" dirty="0"/>
+              <a:t>Sleep()</a:t>
+            </a:r>
+            <a:r>
+              <a:rPr lang="ko-KR" altLang="en-US" dirty="0"/>
+              <a:t>함수를 사용하지 않고 게임루프에서 </a:t>
+            </a:r>
+            <a:r>
+              <a:rPr lang="en-US" altLang="ko-KR" dirty="0"/>
+              <a:t>Render()</a:t>
+            </a:r>
+            <a:r>
+              <a:rPr lang="ko-KR" altLang="en-US" dirty="0"/>
+              <a:t>함수에서 실시간으로 노드를 그리기</a:t>
+            </a:r>
+            <a:r>
+              <a:rPr lang="en-US" altLang="ko-KR" dirty="0"/>
+              <a:t>.</a:t>
+            </a:r>
+          </a:p>
+          <a:p>
             <a:endParaRPr lang="ko-KR" altLang="en-US" dirty="0"/>
-          </a:p>
-        </p:txBody>
-      </p:sp>
-      <p:sp>
-        <p:nvSpPr>
-          <p:cNvPr id="3" name="내용 개체 틀 2">
-            <a:extLst>
-              <a:ext uri="{FF2B5EF4-FFF2-40B4-BE49-F238E27FC236}">
-                <a16:creationId xmlns:a16="http://schemas.microsoft.com/office/drawing/2014/main" id="{BD227D7C-0E5F-D2EF-F39F-D30374117D41}"/>
-              </a:ext>
-            </a:extLst>
-          </p:cNvPr>
-          <p:cNvSpPr>
-            <a:spLocks noGrp="1"/>
-          </p:cNvSpPr>
-          <p:nvPr>
-            <p:ph idx="1"/>
-          </p:nvPr>
-        </p:nvSpPr>
-        <p:spPr/>
-        <p:txBody>
-          <a:bodyPr/>
-          <a:lstStyle/>
-          <a:p>
-            <a:endParaRPr lang="ko-KR" altLang="en-US"/>
           </a:p>
         </p:txBody>
       </p:sp>
@@ -4416,6 +4666,925 @@
     <p:extLst>
       <p:ext uri="{BB962C8B-B14F-4D97-AF65-F5344CB8AC3E}">
         <p14:creationId xmlns:p14="http://schemas.microsoft.com/office/powerpoint/2010/main" val="2360338004"/>
+      </p:ext>
+    </p:extLst>
+  </p:cSld>
+  <p:clrMapOvr>
+    <a:masterClrMapping/>
+  </p:clrMapOvr>
+</p:sld>
+</file>
+
+<file path=ppt/slides/slide5.xml><?xml version="1.0" encoding="utf-8"?>
+<p:sld xmlns:a="http://schemas.openxmlformats.org/drawingml/2006/main" xmlns:r="http://schemas.openxmlformats.org/officeDocument/2006/relationships" xmlns:p="http://schemas.openxmlformats.org/presentationml/2006/main">
+  <p:cSld>
+    <p:spTree>
+      <p:nvGrpSpPr>
+        <p:cNvPr id="1" name=""/>
+        <p:cNvGrpSpPr/>
+        <p:nvPr/>
+      </p:nvGrpSpPr>
+      <p:grpSpPr>
+        <a:xfrm>
+          <a:off x="0" y="0"/>
+          <a:ext cx="0" cy="0"/>
+          <a:chOff x="0" y="0"/>
+          <a:chExt cx="0" cy="0"/>
+        </a:xfrm>
+      </p:grpSpPr>
+      <p:sp>
+        <p:nvSpPr>
+          <p:cNvPr id="3" name="내용 개체 틀 2">
+            <a:extLst>
+              <a:ext uri="{FF2B5EF4-FFF2-40B4-BE49-F238E27FC236}">
+                <a16:creationId xmlns:a16="http://schemas.microsoft.com/office/drawing/2014/main" id="{1FB6CD37-8B8E-A836-C766-1B3A96779144}"/>
+              </a:ext>
+            </a:extLst>
+          </p:cNvPr>
+          <p:cNvSpPr>
+            <a:spLocks noGrp="1"/>
+          </p:cNvSpPr>
+          <p:nvPr>
+            <p:ph idx="1"/>
+          </p:nvPr>
+        </p:nvSpPr>
+        <p:spPr>
+          <a:xfrm>
+            <a:off x="435483" y="797433"/>
+            <a:ext cx="11155680" cy="3767328"/>
+          </a:xfrm>
+        </p:spPr>
+        <p:txBody>
+          <a:bodyPr/>
+          <a:lstStyle/>
+          <a:p>
+            <a:r>
+              <a:rPr lang="ko-KR" altLang="en-US" dirty="0"/>
+              <a:t>우선 기본적으로 </a:t>
+            </a:r>
+            <a:r>
+              <a:rPr lang="en-US" altLang="ko-KR" dirty="0"/>
+              <a:t>A*</a:t>
+            </a:r>
+            <a:r>
+              <a:rPr lang="ko-KR" altLang="en-US" dirty="0"/>
+              <a:t>알고리즘을 사용시 </a:t>
+            </a:r>
+            <a:r>
+              <a:rPr lang="en-US" altLang="ko-KR" dirty="0"/>
+              <a:t>UI</a:t>
+            </a:r>
+            <a:r>
+              <a:rPr lang="ko-KR" altLang="en-US" dirty="0"/>
+              <a:t>액터에게도 영향을 끼쳤기에 </a:t>
+            </a:r>
+            <a:r>
+              <a:rPr lang="en-US" altLang="ko-KR" dirty="0"/>
+              <a:t>UI</a:t>
+            </a:r>
+            <a:r>
+              <a:rPr lang="ko-KR" altLang="en-US" dirty="0"/>
+              <a:t>와 </a:t>
+            </a:r>
+            <a:r>
+              <a:rPr lang="ko-KR" altLang="en-US" dirty="0" err="1"/>
+              <a:t>기본액터를</a:t>
+            </a:r>
+            <a:r>
+              <a:rPr lang="ko-KR" altLang="en-US" dirty="0"/>
+              <a:t> 분리</a:t>
+            </a:r>
+            <a:r>
+              <a:rPr lang="en-US" altLang="ko-KR" dirty="0"/>
+              <a:t>.</a:t>
+            </a:r>
+          </a:p>
+          <a:p>
+            <a:r>
+              <a:rPr lang="en-US" altLang="ko-KR" dirty="0" err="1"/>
+              <a:t>tempActor</a:t>
+            </a:r>
+            <a:r>
+              <a:rPr lang="ko-KR" altLang="en-US" dirty="0"/>
+              <a:t>를 따로 선언</a:t>
+            </a:r>
+            <a:r>
+              <a:rPr lang="en-US" altLang="ko-KR" dirty="0"/>
+              <a:t>, A*.cpp </a:t>
+            </a:r>
+            <a:r>
+              <a:rPr lang="ko-KR" altLang="en-US" dirty="0"/>
+              <a:t>함수에 사용할 </a:t>
+            </a:r>
+            <a:r>
+              <a:rPr lang="en-US" altLang="ko-KR" dirty="0"/>
+              <a:t>grid</a:t>
+            </a:r>
+            <a:r>
+              <a:rPr lang="ko-KR" altLang="en-US" dirty="0"/>
+              <a:t>에 넣을 임시용 버퍼</a:t>
+            </a:r>
+            <a:r>
+              <a:rPr lang="en-US" altLang="ko-KR" dirty="0"/>
+              <a:t>.</a:t>
+            </a:r>
+          </a:p>
+          <a:p>
+            <a:r>
+              <a:rPr lang="ko-KR" altLang="en-US" dirty="0"/>
+              <a:t>이차원 </a:t>
+            </a:r>
+            <a:r>
+              <a:rPr lang="en-US" altLang="ko-KR" dirty="0"/>
+              <a:t>vector </a:t>
+            </a:r>
+            <a:r>
+              <a:rPr lang="ko-KR" altLang="en-US" dirty="0"/>
+              <a:t>배열 </a:t>
+            </a:r>
+            <a:r>
+              <a:rPr lang="en-US" altLang="ko-KR" dirty="0" err="1"/>
+              <a:t>MapGrid</a:t>
+            </a:r>
+            <a:r>
+              <a:rPr lang="ko-KR" altLang="en-US" dirty="0"/>
+              <a:t>를 </a:t>
+            </a:r>
+            <a:r>
+              <a:rPr lang="en-US" altLang="ko-KR" dirty="0"/>
+              <a:t>Level</a:t>
+            </a:r>
+            <a:r>
+              <a:rPr lang="ko-KR" altLang="en-US" dirty="0"/>
+              <a:t>을 상속한 </a:t>
+            </a:r>
+            <a:r>
+              <a:rPr lang="en-US" altLang="ko-KR" dirty="0"/>
+              <a:t>Game</a:t>
+            </a:r>
+            <a:r>
+              <a:rPr lang="ko-KR" altLang="en-US" dirty="0"/>
+              <a:t>프로젝트의 </a:t>
+            </a:r>
+            <a:r>
+              <a:rPr lang="en-US" altLang="ko-KR" dirty="0"/>
+              <a:t>Level.cpp</a:t>
+            </a:r>
+            <a:r>
+              <a:rPr lang="ko-KR" altLang="en-US" dirty="0"/>
+              <a:t>에 선언</a:t>
+            </a:r>
+            <a:r>
+              <a:rPr lang="en-US" altLang="ko-KR" dirty="0"/>
+              <a:t>.</a:t>
+            </a:r>
+            <a:endParaRPr lang="ko-KR" altLang="en-US" dirty="0"/>
+          </a:p>
+        </p:txBody>
+      </p:sp>
+      <p:pic>
+        <p:nvPicPr>
+          <p:cNvPr id="9" name="그림 8" descr="텍스트, 스크린샷, 폰트이(가) 표시된 사진&#10;&#10;AI 생성 콘텐츠는 정확하지 않을 수 있습니다.">
+            <a:extLst>
+              <a:ext uri="{FF2B5EF4-FFF2-40B4-BE49-F238E27FC236}">
+                <a16:creationId xmlns:a16="http://schemas.microsoft.com/office/drawing/2014/main" id="{AE3B5EC1-B640-B1E8-3D85-C807769BEA90}"/>
+              </a:ext>
+            </a:extLst>
+          </p:cNvPr>
+          <p:cNvPicPr>
+            <a:picLocks noChangeAspect="1"/>
+          </p:cNvPicPr>
+          <p:nvPr/>
+        </p:nvPicPr>
+        <p:blipFill>
+          <a:blip r:embed="rId2">
+            <a:extLst>
+              <a:ext uri="{28A0092B-C50C-407E-A947-70E740481C1C}">
+                <a14:useLocalDpi xmlns:a14="http://schemas.microsoft.com/office/drawing/2010/main" val="0"/>
+              </a:ext>
+            </a:extLst>
+          </a:blip>
+          <a:stretch>
+            <a:fillRect/>
+          </a:stretch>
+        </p:blipFill>
+        <p:spPr>
+          <a:xfrm>
+            <a:off x="0" y="3429000"/>
+            <a:ext cx="7286625" cy="4802886"/>
+          </a:xfrm>
+          <a:prstGeom prst="rect">
+            <a:avLst/>
+          </a:prstGeom>
+        </p:spPr>
+      </p:pic>
+      <p:pic>
+        <p:nvPicPr>
+          <p:cNvPr id="13" name="그림 12" descr="텍스트, 스크린샷, 폰트, 디자인이(가) 표시된 사진&#10;&#10;AI 생성 콘텐츠는 정확하지 않을 수 있습니다.">
+            <a:extLst>
+              <a:ext uri="{FF2B5EF4-FFF2-40B4-BE49-F238E27FC236}">
+                <a16:creationId xmlns:a16="http://schemas.microsoft.com/office/drawing/2014/main" id="{332860AB-33F2-D691-D455-02781BB5CC61}"/>
+              </a:ext>
+            </a:extLst>
+          </p:cNvPr>
+          <p:cNvPicPr>
+            <a:picLocks noChangeAspect="1"/>
+          </p:cNvPicPr>
+          <p:nvPr/>
+        </p:nvPicPr>
+        <p:blipFill>
+          <a:blip r:embed="rId3">
+            <a:extLst>
+              <a:ext uri="{28A0092B-C50C-407E-A947-70E740481C1C}">
+                <a14:useLocalDpi xmlns:a14="http://schemas.microsoft.com/office/drawing/2010/main" val="0"/>
+              </a:ext>
+            </a:extLst>
+          </a:blip>
+          <a:stretch>
+            <a:fillRect/>
+          </a:stretch>
+        </p:blipFill>
+        <p:spPr>
+          <a:xfrm>
+            <a:off x="5567795" y="3429000"/>
+            <a:ext cx="6458851" cy="5010849"/>
+          </a:xfrm>
+          <a:prstGeom prst="rect">
+            <a:avLst/>
+          </a:prstGeom>
+        </p:spPr>
+      </p:pic>
+    </p:spTree>
+    <p:extLst>
+      <p:ext uri="{BB962C8B-B14F-4D97-AF65-F5344CB8AC3E}">
+        <p14:creationId xmlns:p14="http://schemas.microsoft.com/office/powerpoint/2010/main" val="3196605587"/>
+      </p:ext>
+    </p:extLst>
+  </p:cSld>
+  <p:clrMapOvr>
+    <a:masterClrMapping/>
+  </p:clrMapOvr>
+</p:sld>
+</file>
+
+<file path=ppt/slides/slide6.xml><?xml version="1.0" encoding="utf-8"?>
+<p:sld xmlns:a="http://schemas.openxmlformats.org/drawingml/2006/main" xmlns:r="http://schemas.openxmlformats.org/officeDocument/2006/relationships" xmlns:p="http://schemas.openxmlformats.org/presentationml/2006/main">
+  <p:cSld>
+    <p:spTree>
+      <p:nvGrpSpPr>
+        <p:cNvPr id="1" name=""/>
+        <p:cNvGrpSpPr/>
+        <p:nvPr/>
+      </p:nvGrpSpPr>
+      <p:grpSpPr>
+        <a:xfrm>
+          <a:off x="0" y="0"/>
+          <a:ext cx="0" cy="0"/>
+          <a:chOff x="0" y="0"/>
+          <a:chExt cx="0" cy="0"/>
+        </a:xfrm>
+      </p:grpSpPr>
+      <p:sp>
+        <p:nvSpPr>
+          <p:cNvPr id="2" name="제목 1">
+            <a:extLst>
+              <a:ext uri="{FF2B5EF4-FFF2-40B4-BE49-F238E27FC236}">
+                <a16:creationId xmlns:a16="http://schemas.microsoft.com/office/drawing/2014/main" id="{81B11717-D568-5B8C-06D3-EA91BA501F28}"/>
+              </a:ext>
+            </a:extLst>
+          </p:cNvPr>
+          <p:cNvSpPr>
+            <a:spLocks noGrp="1"/>
+          </p:cNvSpPr>
+          <p:nvPr>
+            <p:ph type="title"/>
+          </p:nvPr>
+        </p:nvSpPr>
+        <p:spPr/>
+        <p:txBody>
+          <a:bodyPr/>
+          <a:lstStyle/>
+          <a:p>
+            <a:r>
+              <a:rPr lang="ko-KR" altLang="en-US" dirty="0"/>
+              <a:t>내부 코드 설명</a:t>
+            </a:r>
+          </a:p>
+        </p:txBody>
+      </p:sp>
+      <p:sp>
+        <p:nvSpPr>
+          <p:cNvPr id="3" name="내용 개체 틀 2">
+            <a:extLst>
+              <a:ext uri="{FF2B5EF4-FFF2-40B4-BE49-F238E27FC236}">
+                <a16:creationId xmlns:a16="http://schemas.microsoft.com/office/drawing/2014/main" id="{DD60F83E-8BC2-330C-C30D-7937F96C6D9A}"/>
+              </a:ext>
+            </a:extLst>
+          </p:cNvPr>
+          <p:cNvSpPr>
+            <a:spLocks noGrp="1"/>
+          </p:cNvSpPr>
+          <p:nvPr>
+            <p:ph idx="1"/>
+          </p:nvPr>
+        </p:nvSpPr>
+        <p:spPr/>
+        <p:txBody>
+          <a:bodyPr/>
+          <a:lstStyle/>
+          <a:p>
+            <a:r>
+              <a:rPr lang="ko-KR" altLang="en-US" dirty="0"/>
+              <a:t>기존 </a:t>
+            </a:r>
+            <a:r>
+              <a:rPr lang="en-US" altLang="ko-KR" dirty="0"/>
+              <a:t>Sokoban </a:t>
+            </a:r>
+            <a:r>
+              <a:rPr lang="ko-KR" altLang="en-US" dirty="0"/>
+              <a:t>게임엔진에서의 </a:t>
+            </a:r>
+            <a:r>
+              <a:rPr lang="en-US" altLang="ko-KR" dirty="0" err="1"/>
+              <a:t>ReadMapFile</a:t>
+            </a:r>
+            <a:r>
+              <a:rPr lang="ko-KR" altLang="en-US" dirty="0"/>
+              <a:t>을 응용하여 </a:t>
+            </a:r>
+            <a:r>
+              <a:rPr lang="en-US" altLang="ko-KR" dirty="0" err="1"/>
+              <a:t>MapGrid</a:t>
+            </a:r>
+            <a:r>
+              <a:rPr lang="ko-KR" altLang="en-US" dirty="0"/>
+              <a:t>에 </a:t>
+            </a:r>
+            <a:r>
+              <a:rPr lang="en-US" altLang="ko-KR" dirty="0" err="1"/>
+              <a:t>tempActor</a:t>
+            </a:r>
+            <a:r>
+              <a:rPr lang="en-US" altLang="ko-KR" dirty="0"/>
+              <a:t> </a:t>
+            </a:r>
+            <a:r>
+              <a:rPr lang="ko-KR" altLang="en-US" dirty="0"/>
+              <a:t>배열을 이용해서 </a:t>
+            </a:r>
+            <a:r>
+              <a:rPr lang="ko-KR" altLang="en-US" dirty="0" err="1"/>
+              <a:t>맵을</a:t>
+            </a:r>
+            <a:r>
+              <a:rPr lang="ko-KR" altLang="en-US" dirty="0"/>
+              <a:t> 읽음과 동시에 </a:t>
+            </a:r>
+            <a:r>
+              <a:rPr lang="ko-KR" altLang="en-US" dirty="0" err="1"/>
+              <a:t>채워넣는</a:t>
+            </a:r>
+            <a:r>
+              <a:rPr lang="ko-KR" altLang="en-US" dirty="0"/>
+              <a:t> 방식을 사용</a:t>
+            </a:r>
+            <a:r>
+              <a:rPr lang="en-US" altLang="ko-KR" dirty="0"/>
+              <a:t>.</a:t>
+            </a:r>
+          </a:p>
+          <a:p>
+            <a:r>
+              <a:rPr lang="en-US" altLang="ko-KR" dirty="0" err="1"/>
+              <a:t>FindOriginalActor</a:t>
+            </a:r>
+            <a:r>
+              <a:rPr lang="en-US" altLang="ko-KR" dirty="0"/>
+              <a:t>()</a:t>
+            </a:r>
+            <a:r>
+              <a:rPr lang="ko-KR" altLang="en-US" dirty="0"/>
+              <a:t>를 사용하여</a:t>
+            </a:r>
+            <a:r>
+              <a:rPr lang="en-US" altLang="ko-KR" dirty="0"/>
+              <a:t>, Game</a:t>
+            </a:r>
+            <a:r>
+              <a:rPr lang="ko-KR" altLang="en-US" dirty="0"/>
+              <a:t> 프로젝트에서의 </a:t>
+            </a:r>
+            <a:r>
+              <a:rPr lang="en-US" altLang="ko-KR" dirty="0"/>
+              <a:t>Level</a:t>
+            </a:r>
+            <a:r>
+              <a:rPr lang="ko-KR" altLang="en-US" dirty="0"/>
+              <a:t>이 </a:t>
+            </a:r>
+            <a:r>
+              <a:rPr lang="ko-KR" altLang="en-US" dirty="0" err="1"/>
+              <a:t>실행시</a:t>
+            </a:r>
+            <a:r>
+              <a:rPr lang="ko-KR" altLang="en-US" dirty="0"/>
+              <a:t> 각 </a:t>
+            </a:r>
+            <a:r>
+              <a:rPr lang="en-US" altLang="ko-KR" dirty="0"/>
+              <a:t>Grid</a:t>
+            </a:r>
+            <a:r>
+              <a:rPr lang="ko-KR" altLang="en-US" dirty="0"/>
+              <a:t>의 좌표에 대응되는 </a:t>
+            </a:r>
+            <a:r>
+              <a:rPr lang="ko-KR" altLang="en-US" dirty="0" err="1"/>
+              <a:t>맵의</a:t>
+            </a:r>
+            <a:r>
+              <a:rPr lang="ko-KR" altLang="en-US" dirty="0"/>
+              <a:t> 좌표에 위치한 </a:t>
+            </a:r>
+            <a:r>
+              <a:rPr lang="ko-KR" altLang="en-US" dirty="0" err="1"/>
+              <a:t>액터를</a:t>
+            </a:r>
+            <a:r>
+              <a:rPr lang="ko-KR" altLang="en-US" dirty="0"/>
+              <a:t> 참조하게 설계</a:t>
+            </a:r>
+            <a:r>
+              <a:rPr lang="en-US" altLang="ko-KR" dirty="0"/>
+              <a:t>.</a:t>
+            </a:r>
+          </a:p>
+        </p:txBody>
+      </p:sp>
+      <p:pic>
+        <p:nvPicPr>
+          <p:cNvPr id="7" name="그림 6" descr="텍스트, 스크린샷, 폰트이(가) 표시된 사진&#10;&#10;AI 생성 콘텐츠는 정확하지 않을 수 있습니다.">
+            <a:extLst>
+              <a:ext uri="{FF2B5EF4-FFF2-40B4-BE49-F238E27FC236}">
+                <a16:creationId xmlns:a16="http://schemas.microsoft.com/office/drawing/2014/main" id="{1F98863F-ED8A-5CC9-5C06-AC7E3F3DDA66}"/>
+              </a:ext>
+            </a:extLst>
+          </p:cNvPr>
+          <p:cNvPicPr>
+            <a:picLocks noChangeAspect="1"/>
+          </p:cNvPicPr>
+          <p:nvPr/>
+        </p:nvPicPr>
+        <p:blipFill>
+          <a:blip r:embed="rId2">
+            <a:extLst>
+              <a:ext uri="{28A0092B-C50C-407E-A947-70E740481C1C}">
+                <a14:useLocalDpi xmlns:a14="http://schemas.microsoft.com/office/drawing/2010/main" val="0"/>
+              </a:ext>
+            </a:extLst>
+          </a:blip>
+          <a:stretch>
+            <a:fillRect/>
+          </a:stretch>
+        </p:blipFill>
+        <p:spPr>
+          <a:xfrm>
+            <a:off x="0" y="4416553"/>
+            <a:ext cx="7106642" cy="3419952"/>
+          </a:xfrm>
+          <a:prstGeom prst="rect">
+            <a:avLst/>
+          </a:prstGeom>
+        </p:spPr>
+      </p:pic>
+      <p:pic>
+        <p:nvPicPr>
+          <p:cNvPr id="9" name="그림 8" descr="텍스트, 스크린샷, 폰트, 소프트웨어이(가) 표시된 사진&#10;&#10;AI 생성 콘텐츠는 정확하지 않을 수 있습니다.">
+            <a:extLst>
+              <a:ext uri="{FF2B5EF4-FFF2-40B4-BE49-F238E27FC236}">
+                <a16:creationId xmlns:a16="http://schemas.microsoft.com/office/drawing/2014/main" id="{30B63FD4-53C9-308C-03F3-E20C0DA3A125}"/>
+              </a:ext>
+            </a:extLst>
+          </p:cNvPr>
+          <p:cNvPicPr>
+            <a:picLocks noChangeAspect="1"/>
+          </p:cNvPicPr>
+          <p:nvPr/>
+        </p:nvPicPr>
+        <p:blipFill>
+          <a:blip r:embed="rId3">
+            <a:extLst>
+              <a:ext uri="{28A0092B-C50C-407E-A947-70E740481C1C}">
+                <a14:useLocalDpi xmlns:a14="http://schemas.microsoft.com/office/drawing/2010/main" val="0"/>
+              </a:ext>
+            </a:extLst>
+          </a:blip>
+          <a:stretch>
+            <a:fillRect/>
+          </a:stretch>
+        </p:blipFill>
+        <p:spPr>
+          <a:xfrm>
+            <a:off x="4948161" y="4563723"/>
+            <a:ext cx="6906589" cy="2438740"/>
+          </a:xfrm>
+          <a:prstGeom prst="rect">
+            <a:avLst/>
+          </a:prstGeom>
+        </p:spPr>
+      </p:pic>
+    </p:spTree>
+    <p:extLst>
+      <p:ext uri="{BB962C8B-B14F-4D97-AF65-F5344CB8AC3E}">
+        <p14:creationId xmlns:p14="http://schemas.microsoft.com/office/powerpoint/2010/main" val="1122831396"/>
+      </p:ext>
+    </p:extLst>
+  </p:cSld>
+  <p:clrMapOvr>
+    <a:masterClrMapping/>
+  </p:clrMapOvr>
+</p:sld>
+</file>
+
+<file path=ppt/slides/slide7.xml><?xml version="1.0" encoding="utf-8"?>
+<p:sld xmlns:a="http://schemas.openxmlformats.org/drawingml/2006/main" xmlns:r="http://schemas.openxmlformats.org/officeDocument/2006/relationships" xmlns:p="http://schemas.openxmlformats.org/presentationml/2006/main">
+  <p:cSld>
+    <p:spTree>
+      <p:nvGrpSpPr>
+        <p:cNvPr id="1" name=""/>
+        <p:cNvGrpSpPr/>
+        <p:nvPr/>
+      </p:nvGrpSpPr>
+      <p:grpSpPr>
+        <a:xfrm>
+          <a:off x="0" y="0"/>
+          <a:ext cx="0" cy="0"/>
+          <a:chOff x="0" y="0"/>
+          <a:chExt cx="0" cy="0"/>
+        </a:xfrm>
+      </p:grpSpPr>
+      <p:sp>
+        <p:nvSpPr>
+          <p:cNvPr id="3" name="내용 개체 틀 2">
+            <a:extLst>
+              <a:ext uri="{FF2B5EF4-FFF2-40B4-BE49-F238E27FC236}">
+                <a16:creationId xmlns:a16="http://schemas.microsoft.com/office/drawing/2014/main" id="{B4DC2DD2-C536-9DBD-58FE-0984C10B0079}"/>
+              </a:ext>
+            </a:extLst>
+          </p:cNvPr>
+          <p:cNvSpPr>
+            <a:spLocks noGrp="1"/>
+          </p:cNvSpPr>
+          <p:nvPr>
+            <p:ph idx="1"/>
+          </p:nvPr>
+        </p:nvSpPr>
+        <p:spPr>
+          <a:xfrm>
+            <a:off x="445008" y="768858"/>
+            <a:ext cx="11155680" cy="3767328"/>
+          </a:xfrm>
+        </p:spPr>
+        <p:txBody>
+          <a:bodyPr/>
+          <a:lstStyle/>
+          <a:p>
+            <a:r>
+              <a:rPr lang="ko-KR" altLang="en-US" dirty="0"/>
+              <a:t>기존의  </a:t>
+            </a:r>
+            <a:r>
+              <a:rPr lang="en-US" altLang="ko-KR" dirty="0"/>
+              <a:t>A* </a:t>
+            </a:r>
+            <a:r>
+              <a:rPr lang="ko-KR" altLang="en-US" dirty="0"/>
+              <a:t>알고리즘은 </a:t>
+            </a:r>
+            <a:r>
+              <a:rPr lang="ko-KR" altLang="en-US" dirty="0" err="1"/>
+              <a:t>시작부</a:t>
+            </a:r>
+            <a:r>
+              <a:rPr lang="en-US" altLang="ko-KR" dirty="0"/>
+              <a:t>, </a:t>
+            </a:r>
+            <a:r>
+              <a:rPr lang="ko-KR" altLang="en-US" dirty="0"/>
+              <a:t>과정</a:t>
+            </a:r>
+            <a:r>
+              <a:rPr lang="en-US" altLang="ko-KR" dirty="0"/>
+              <a:t>(Render()</a:t>
+            </a:r>
+            <a:r>
+              <a:rPr lang="ko-KR" altLang="en-US" dirty="0"/>
+              <a:t>마다 실행</a:t>
+            </a:r>
+            <a:r>
+              <a:rPr lang="en-US" altLang="ko-KR" dirty="0"/>
+              <a:t>),</a:t>
+            </a:r>
+            <a:r>
+              <a:rPr lang="ko-KR" altLang="en-US" dirty="0"/>
+              <a:t>완료</a:t>
+            </a:r>
+            <a:r>
+              <a:rPr lang="en-US" altLang="ko-KR" dirty="0"/>
+              <a:t>, </a:t>
+            </a:r>
+            <a:r>
+              <a:rPr lang="ko-KR" altLang="en-US" dirty="0"/>
+              <a:t>후처리로 분리</a:t>
+            </a:r>
+            <a:r>
+              <a:rPr lang="en-US" altLang="ko-KR" dirty="0"/>
+              <a:t>.</a:t>
+            </a:r>
+          </a:p>
+        </p:txBody>
+      </p:sp>
+      <p:pic>
+        <p:nvPicPr>
+          <p:cNvPr id="5" name="그림 4" descr="텍스트, 스크린샷, 소프트웨어, 폰트이(가) 표시된 사진&#10;&#10;AI 생성 콘텐츠는 정확하지 않을 수 있습니다.">
+            <a:extLst>
+              <a:ext uri="{FF2B5EF4-FFF2-40B4-BE49-F238E27FC236}">
+                <a16:creationId xmlns:a16="http://schemas.microsoft.com/office/drawing/2014/main" id="{45782A22-2801-1BCF-58D4-EAA6B0C7AE53}"/>
+              </a:ext>
+            </a:extLst>
+          </p:cNvPr>
+          <p:cNvPicPr>
+            <a:picLocks noChangeAspect="1"/>
+          </p:cNvPicPr>
+          <p:nvPr/>
+        </p:nvPicPr>
+        <p:blipFill>
+          <a:blip r:embed="rId2">
+            <a:extLst>
+              <a:ext uri="{28A0092B-C50C-407E-A947-70E740481C1C}">
+                <a14:useLocalDpi xmlns:a14="http://schemas.microsoft.com/office/drawing/2010/main" val="0"/>
+              </a:ext>
+            </a:extLst>
+          </a:blip>
+          <a:stretch>
+            <a:fillRect/>
+          </a:stretch>
+        </p:blipFill>
+        <p:spPr>
+          <a:xfrm>
+            <a:off x="2238375" y="2416577"/>
+            <a:ext cx="6944694" cy="4239217"/>
+          </a:xfrm>
+          <a:prstGeom prst="rect">
+            <a:avLst/>
+          </a:prstGeom>
+        </p:spPr>
+      </p:pic>
+    </p:spTree>
+    <p:extLst>
+      <p:ext uri="{BB962C8B-B14F-4D97-AF65-F5344CB8AC3E}">
+        <p14:creationId xmlns:p14="http://schemas.microsoft.com/office/powerpoint/2010/main" val="829484268"/>
+      </p:ext>
+    </p:extLst>
+  </p:cSld>
+  <p:clrMapOvr>
+    <a:masterClrMapping/>
+  </p:clrMapOvr>
+</p:sld>
+</file>
+
+<file path=ppt/slides/slide8.xml><?xml version="1.0" encoding="utf-8"?>
+<p:sld xmlns:a="http://schemas.openxmlformats.org/drawingml/2006/main" xmlns:r="http://schemas.openxmlformats.org/officeDocument/2006/relationships" xmlns:p="http://schemas.openxmlformats.org/presentationml/2006/main">
+  <p:cSld>
+    <p:spTree>
+      <p:nvGrpSpPr>
+        <p:cNvPr id="1" name=""/>
+        <p:cNvGrpSpPr/>
+        <p:nvPr/>
+      </p:nvGrpSpPr>
+      <p:grpSpPr>
+        <a:xfrm>
+          <a:off x="0" y="0"/>
+          <a:ext cx="0" cy="0"/>
+          <a:chOff x="0" y="0"/>
+          <a:chExt cx="0" cy="0"/>
+        </a:xfrm>
+      </p:grpSpPr>
+      <p:pic>
+        <p:nvPicPr>
+          <p:cNvPr id="5" name="그림 4" descr="텍스트, 폰트, 스크린샷이(가) 표시된 사진&#10;&#10;AI 생성 콘텐츠는 정확하지 않을 수 있습니다.">
+            <a:extLst>
+              <a:ext uri="{FF2B5EF4-FFF2-40B4-BE49-F238E27FC236}">
+                <a16:creationId xmlns:a16="http://schemas.microsoft.com/office/drawing/2014/main" id="{5FCA06D8-11DC-D49A-4703-6339FF746409}"/>
+              </a:ext>
+            </a:extLst>
+          </p:cNvPr>
+          <p:cNvPicPr>
+            <a:picLocks noChangeAspect="1"/>
+          </p:cNvPicPr>
+          <p:nvPr/>
+        </p:nvPicPr>
+        <p:blipFill>
+          <a:blip r:embed="rId2">
+            <a:extLst>
+              <a:ext uri="{28A0092B-C50C-407E-A947-70E740481C1C}">
+                <a14:useLocalDpi xmlns:a14="http://schemas.microsoft.com/office/drawing/2010/main" val="0"/>
+              </a:ext>
+            </a:extLst>
+          </a:blip>
+          <a:stretch>
+            <a:fillRect/>
+          </a:stretch>
+        </p:blipFill>
+        <p:spPr>
+          <a:xfrm>
+            <a:off x="0" y="614237"/>
+            <a:ext cx="7116168" cy="1800476"/>
+          </a:xfrm>
+          <a:prstGeom prst="rect">
+            <a:avLst/>
+          </a:prstGeom>
+        </p:spPr>
+      </p:pic>
+      <p:pic>
+        <p:nvPicPr>
+          <p:cNvPr id="7" name="그림 6" descr="텍스트, 스크린샷, 소프트웨어, 디스플레이이(가) 표시된 사진&#10;&#10;AI 생성 콘텐츠는 정확하지 않을 수 있습니다.">
+            <a:extLst>
+              <a:ext uri="{FF2B5EF4-FFF2-40B4-BE49-F238E27FC236}">
+                <a16:creationId xmlns:a16="http://schemas.microsoft.com/office/drawing/2014/main" id="{07C3A639-390B-6665-CCB7-D51F43950772}"/>
+              </a:ext>
+            </a:extLst>
+          </p:cNvPr>
+          <p:cNvPicPr>
+            <a:picLocks noChangeAspect="1"/>
+          </p:cNvPicPr>
+          <p:nvPr/>
+        </p:nvPicPr>
+        <p:blipFill>
+          <a:blip r:embed="rId3">
+            <a:extLst>
+              <a:ext uri="{28A0092B-C50C-407E-A947-70E740481C1C}">
+                <a14:useLocalDpi xmlns:a14="http://schemas.microsoft.com/office/drawing/2010/main" val="0"/>
+              </a:ext>
+            </a:extLst>
+          </a:blip>
+          <a:stretch>
+            <a:fillRect/>
+          </a:stretch>
+        </p:blipFill>
+        <p:spPr>
+          <a:xfrm>
+            <a:off x="4523860" y="1047392"/>
+            <a:ext cx="7373379" cy="5810608"/>
+          </a:xfrm>
+          <a:prstGeom prst="rect">
+            <a:avLst/>
+          </a:prstGeom>
+        </p:spPr>
+      </p:pic>
+      <p:pic>
+        <p:nvPicPr>
+          <p:cNvPr id="9" name="그림 8" descr="텍스트, 스크린샷, 소프트웨어이(가) 표시된 사진&#10;&#10;AI 생성 콘텐츠는 정확하지 않을 수 있습니다.">
+            <a:extLst>
+              <a:ext uri="{FF2B5EF4-FFF2-40B4-BE49-F238E27FC236}">
+                <a16:creationId xmlns:a16="http://schemas.microsoft.com/office/drawing/2014/main" id="{CDC25675-4D76-931F-EFF9-142C50093A1D}"/>
+              </a:ext>
+            </a:extLst>
+          </p:cNvPr>
+          <p:cNvPicPr>
+            <a:picLocks noChangeAspect="1"/>
+          </p:cNvPicPr>
+          <p:nvPr/>
+        </p:nvPicPr>
+        <p:blipFill>
+          <a:blip r:embed="rId4">
+            <a:extLst>
+              <a:ext uri="{28A0092B-C50C-407E-A947-70E740481C1C}">
+                <a14:useLocalDpi xmlns:a14="http://schemas.microsoft.com/office/drawing/2010/main" val="0"/>
+              </a:ext>
+            </a:extLst>
+          </a:blip>
+          <a:stretch>
+            <a:fillRect/>
+          </a:stretch>
+        </p:blipFill>
+        <p:spPr>
+          <a:xfrm>
+            <a:off x="161411" y="2414713"/>
+            <a:ext cx="3924630" cy="4565548"/>
+          </a:xfrm>
+          <a:prstGeom prst="rect">
+            <a:avLst/>
+          </a:prstGeom>
+        </p:spPr>
+      </p:pic>
+    </p:spTree>
+    <p:extLst>
+      <p:ext uri="{BB962C8B-B14F-4D97-AF65-F5344CB8AC3E}">
+        <p14:creationId xmlns:p14="http://schemas.microsoft.com/office/powerpoint/2010/main" val="3665567126"/>
+      </p:ext>
+    </p:extLst>
+  </p:cSld>
+  <p:clrMapOvr>
+    <a:masterClrMapping/>
+  </p:clrMapOvr>
+</p:sld>
+</file>
+
+<file path=ppt/slides/slide9.xml><?xml version="1.0" encoding="utf-8"?>
+<p:sld xmlns:a="http://schemas.openxmlformats.org/drawingml/2006/main" xmlns:r="http://schemas.openxmlformats.org/officeDocument/2006/relationships" xmlns:p="http://schemas.openxmlformats.org/presentationml/2006/main">
+  <p:cSld>
+    <p:spTree>
+      <p:nvGrpSpPr>
+        <p:cNvPr id="1" name=""/>
+        <p:cNvGrpSpPr/>
+        <p:nvPr/>
+      </p:nvGrpSpPr>
+      <p:grpSpPr>
+        <a:xfrm>
+          <a:off x="0" y="0"/>
+          <a:ext cx="0" cy="0"/>
+          <a:chOff x="0" y="0"/>
+          <a:chExt cx="0" cy="0"/>
+        </a:xfrm>
+      </p:grpSpPr>
+      <p:pic>
+        <p:nvPicPr>
+          <p:cNvPr id="5" name="그림 4" descr="텍스트, 스크린샷, 소프트웨어, 폰트이(가) 표시된 사진&#10;&#10;AI 생성 콘텐츠는 정확하지 않을 수 있습니다.">
+            <a:extLst>
+              <a:ext uri="{FF2B5EF4-FFF2-40B4-BE49-F238E27FC236}">
+                <a16:creationId xmlns:a16="http://schemas.microsoft.com/office/drawing/2014/main" id="{DC8DC0B8-C672-BF72-558E-7D7503B4766F}"/>
+              </a:ext>
+            </a:extLst>
+          </p:cNvPr>
+          <p:cNvPicPr>
+            <a:picLocks noChangeAspect="1"/>
+          </p:cNvPicPr>
+          <p:nvPr/>
+        </p:nvPicPr>
+        <p:blipFill>
+          <a:blip r:embed="rId2">
+            <a:extLst>
+              <a:ext uri="{28A0092B-C50C-407E-A947-70E740481C1C}">
+                <a14:useLocalDpi xmlns:a14="http://schemas.microsoft.com/office/drawing/2010/main" val="0"/>
+              </a:ext>
+            </a:extLst>
+          </a:blip>
+          <a:stretch>
+            <a:fillRect/>
+          </a:stretch>
+        </p:blipFill>
+        <p:spPr>
+          <a:xfrm>
+            <a:off x="718827" y="976052"/>
+            <a:ext cx="4363059" cy="3724795"/>
+          </a:xfrm>
+          <a:prstGeom prst="rect">
+            <a:avLst/>
+          </a:prstGeom>
+        </p:spPr>
+      </p:pic>
+      <p:pic>
+        <p:nvPicPr>
+          <p:cNvPr id="7" name="그림 6" descr="텍스트, 스크린샷, 폰트, 소프트웨어이(가) 표시된 사진&#10;&#10;AI 생성 콘텐츠는 정확하지 않을 수 있습니다.">
+            <a:extLst>
+              <a:ext uri="{FF2B5EF4-FFF2-40B4-BE49-F238E27FC236}">
+                <a16:creationId xmlns:a16="http://schemas.microsoft.com/office/drawing/2014/main" id="{20C0DE44-0B7C-A0BB-1747-D2F9993A639E}"/>
+              </a:ext>
+            </a:extLst>
+          </p:cNvPr>
+          <p:cNvPicPr>
+            <a:picLocks noChangeAspect="1"/>
+          </p:cNvPicPr>
+          <p:nvPr/>
+        </p:nvPicPr>
+        <p:blipFill>
+          <a:blip r:embed="rId3">
+            <a:extLst>
+              <a:ext uri="{28A0092B-C50C-407E-A947-70E740481C1C}">
+                <a14:useLocalDpi xmlns:a14="http://schemas.microsoft.com/office/drawing/2010/main" val="0"/>
+              </a:ext>
+            </a:extLst>
+          </a:blip>
+          <a:stretch>
+            <a:fillRect/>
+          </a:stretch>
+        </p:blipFill>
+        <p:spPr>
+          <a:xfrm>
+            <a:off x="6243340" y="833156"/>
+            <a:ext cx="4258269" cy="4010585"/>
+          </a:xfrm>
+          <a:prstGeom prst="rect">
+            <a:avLst/>
+          </a:prstGeom>
+        </p:spPr>
+      </p:pic>
+    </p:spTree>
+    <p:extLst>
+      <p:ext uri="{BB962C8B-B14F-4D97-AF65-F5344CB8AC3E}">
+        <p14:creationId xmlns:p14="http://schemas.microsoft.com/office/powerpoint/2010/main" val="3794470061"/>
       </p:ext>
     </p:extLst>
   </p:cSld>
